--- a/task/instructions.pptx
+++ b/task/instructions.pptx
@@ -2648,8 +2648,8 @@
         </p:nvSpPr>
         <p:spPr>
           <a:xfrm>
-            <a:off x="340360" y="326390"/>
-            <a:ext cx="5798820" cy="4207510"/>
+            <a:off x="340360" y="481965"/>
+            <a:ext cx="5798820" cy="3895725"/>
           </a:xfrm>
           <a:prstGeom prst="rect">
             <a:avLst/>
@@ -2691,7 +2691,7 @@
                 <a:latin typeface="PingFang SC" panose="020B0400000000000000" charset="-122"/>
                 <a:ea typeface="PingFang SC" panose="020B0400000000000000" charset="-122"/>
               </a:rPr>
-              <a:t>实验过程中有“安全”与“威胁”两种情境。</a:t>
+              <a:t>实验中有蓝色背景和红色背景两种情境。</a:t>
             </a:r>
             <a:endParaRPr lang="zh-CN" altLang="en-US" sz="2025">
               <a:latin typeface="PingFang SC" panose="020B0400000000000000" charset="-122"/>
@@ -2715,7 +2715,7 @@
                 <a:latin typeface="PingFang SC" panose="020B0400000000000000" charset="-122"/>
                 <a:ea typeface="PingFang SC" panose="020B0400000000000000" charset="-122"/>
               </a:rPr>
-              <a:t>“安全”情境为蓝色背景，</a:t>
+              <a:t>背景处于蓝色时，你是安全的。</a:t>
             </a:r>
             <a:endParaRPr lang="zh-CN" altLang="en-US" sz="2025">
               <a:latin typeface="PingFang SC" panose="020B0400000000000000" charset="-122"/>
@@ -2729,7 +2729,7 @@
                 <a:latin typeface="PingFang SC" panose="020B0400000000000000" charset="-122"/>
                 <a:ea typeface="PingFang SC" panose="020B0400000000000000" charset="-122"/>
               </a:rPr>
-              <a:t>    “威胁”情境为红色背景。</a:t>
+              <a:t>    背景处于红色时，你会在某时受到视听冲击。</a:t>
             </a:r>
             <a:endParaRPr lang="zh-CN" altLang="en-US" sz="2025">
               <a:latin typeface="PingFang SC" panose="020B0400000000000000" charset="-122"/>
@@ -2753,7 +2753,7 @@
                 <a:latin typeface="PingFang SC" panose="020B0400000000000000" charset="-122"/>
                 <a:ea typeface="PingFang SC" panose="020B0400000000000000" charset="-122"/>
               </a:rPr>
-              <a:t>当且仅当在“威胁”情境时，你会在某时受到视听冲击。冲击的出现与你的选择行为无关。</a:t>
+              <a:t>冲击的出现与你的选择行为无关。</a:t>
             </a:r>
             <a:endParaRPr lang="zh-CN" altLang="en-US" sz="2025">
               <a:latin typeface="PingFang SC" panose="020B0400000000000000" charset="-122"/>
@@ -3283,8 +3283,8 @@
         </p:nvSpPr>
         <p:spPr>
           <a:xfrm>
-            <a:off x="616585" y="170180"/>
-            <a:ext cx="5247005" cy="4519930"/>
+            <a:off x="616585" y="326390"/>
+            <a:ext cx="5247005" cy="4207510"/>
           </a:xfrm>
           <a:prstGeom prst="rect">
             <a:avLst/>
@@ -3488,57 +3488,6 @@
                 <a:cs typeface="Microsoft YaHei" panose="020B0503020204020204" charset="-122"/>
               </a:rPr>
               <a:t>右边；</a:t>
-            </a:r>
-            <a:endParaRPr lang="zh-CN" altLang="en-US" sz="2025">
-              <a:latin typeface="Microsoft YaHei" panose="020B0503020204020204" charset="-122"/>
-              <a:ea typeface="Microsoft YaHei" panose="020B0503020204020204" charset="-122"/>
-              <a:cs typeface="Microsoft YaHei" panose="020B0503020204020204" charset="-122"/>
-            </a:endParaRPr>
-          </a:p>
-          <a:p>
-            <a:pPr marL="342900" indent="-342900" algn="l">
-              <a:buFont typeface="Arial" panose="020B0604020202090204" pitchFamily="34" charset="0"/>
-              <a:buChar char="•"/>
-            </a:pPr>
-            <a:r>
-              <a:rPr lang="zh-CN" altLang="en-US" sz="2025">
-                <a:latin typeface="Microsoft YaHei" panose="020B0503020204020204" charset="-122"/>
-                <a:ea typeface="Microsoft YaHei" panose="020B0503020204020204" charset="-122"/>
-                <a:cs typeface="Microsoft YaHei" panose="020B0503020204020204" charset="-122"/>
-              </a:rPr>
-              <a:t>红色背景 </a:t>
-            </a:r>
-            <a:r>
-              <a:rPr lang="en-US" altLang="zh-CN" sz="2025">
-                <a:latin typeface="Microsoft YaHei" panose="020B0503020204020204" charset="-122"/>
-                <a:ea typeface="Microsoft YaHei" panose="020B0503020204020204" charset="-122"/>
-                <a:cs typeface="Microsoft YaHei" panose="020B0503020204020204" charset="-122"/>
-              </a:rPr>
-              <a:t>- </a:t>
-            </a:r>
-            <a:r>
-              <a:rPr lang="zh-CN" altLang="en-US" sz="2025">
-                <a:latin typeface="Microsoft YaHei" panose="020B0503020204020204" charset="-122"/>
-                <a:ea typeface="Microsoft YaHei" panose="020B0503020204020204" charset="-122"/>
-                <a:cs typeface="Microsoft YaHei" panose="020B0503020204020204" charset="-122"/>
-              </a:rPr>
-              <a:t>安全，蓝色背景 </a:t>
-            </a:r>
-            <a:r>
-              <a:rPr lang="en-US" altLang="zh-CN" sz="2025">
-                <a:latin typeface="Microsoft YaHei" panose="020B0503020204020204" charset="-122"/>
-                <a:ea typeface="Microsoft YaHei" panose="020B0503020204020204" charset="-122"/>
-                <a:cs typeface="Microsoft YaHei" panose="020B0503020204020204" charset="-122"/>
-              </a:rPr>
-              <a:t>- </a:t>
-            </a:r>
-            <a:r>
-              <a:rPr lang="zh-CN" altLang="en-US" sz="2025">
-                <a:latin typeface="Microsoft YaHei" panose="020B0503020204020204" charset="-122"/>
-                <a:ea typeface="Microsoft YaHei" panose="020B0503020204020204" charset="-122"/>
-                <a:cs typeface="Microsoft YaHei" panose="020B0503020204020204" charset="-122"/>
-              </a:rPr>
-              <a:t>威胁；</a:t>
             </a:r>
             <a:endParaRPr lang="zh-CN" altLang="en-US" sz="2025">
               <a:latin typeface="Microsoft YaHei" panose="020B0503020204020204" charset="-122"/>
@@ -3836,39 +3785,23 @@
                 <a:ea typeface="PingFang SC" panose="020B0400000000000000" charset="-122"/>
                 <a:cs typeface="Microsoft YaHei" panose="020B0503020204020204" charset="-122"/>
               </a:rPr>
-              <a:t>请回顾一下处于安全</a:t>
-            </a:r>
-            <a:r>
-              <a:rPr lang="en-US" altLang="zh-CN" sz="2025">
-                <a:latin typeface="PingFang SC" panose="020B0400000000000000" charset="-122"/>
-                <a:ea typeface="PingFang SC" panose="020B0400000000000000" charset="-122"/>
-                <a:cs typeface="Microsoft YaHei" panose="020B0503020204020204" charset="-122"/>
-              </a:rPr>
-              <a:t>(safe)</a:t>
-            </a:r>
-            <a:r>
-              <a:rPr lang="zh-CN" altLang="en-US" sz="2025">
-                <a:latin typeface="PingFang SC" panose="020B0400000000000000" charset="-122"/>
-                <a:ea typeface="PingFang SC" panose="020B0400000000000000" charset="-122"/>
-                <a:cs typeface="Microsoft YaHei" panose="020B0503020204020204" charset="-122"/>
-              </a:rPr>
-              <a:t>情境时的焦虑等级，以及处于威胁</a:t>
-            </a:r>
-            <a:r>
-              <a:rPr lang="en-US" altLang="zh-CN" sz="2025">
-                <a:latin typeface="PingFang SC" panose="020B0400000000000000" charset="-122"/>
-                <a:ea typeface="PingFang SC" panose="020B0400000000000000" charset="-122"/>
-                <a:cs typeface="Microsoft YaHei" panose="020B0503020204020204" charset="-122"/>
-              </a:rPr>
-              <a:t>(threat)</a:t>
-            </a:r>
-            <a:r>
-              <a:rPr lang="zh-CN" altLang="en-US" sz="2025">
-                <a:latin typeface="PingFang SC" panose="020B0400000000000000" charset="-122"/>
-                <a:ea typeface="PingFang SC" panose="020B0400000000000000" charset="-122"/>
-                <a:cs typeface="Microsoft YaHei" panose="020B0503020204020204" charset="-122"/>
-              </a:rPr>
-              <a:t>情境时的焦虑等级：以</a:t>
+              <a:t>请分别回顾一下处于安全情境（蓝色背景）和威胁情境（红色背景）时的焦虑等级：</a:t>
+            </a:r>
+            <a:endParaRPr lang="zh-CN" altLang="en-US" sz="2025">
+              <a:latin typeface="PingFang SC" panose="020B0400000000000000" charset="-122"/>
+              <a:ea typeface="PingFang SC" panose="020B0400000000000000" charset="-122"/>
+              <a:cs typeface="Microsoft YaHei" panose="020B0503020204020204" charset="-122"/>
+            </a:endParaRPr>
+          </a:p>
+          <a:p>
+            <a:pPr algn="l"/>
+            <a:r>
+              <a:rPr lang="zh-CN" altLang="en-US" sz="2025">
+                <a:latin typeface="PingFang SC" panose="020B0400000000000000" charset="-122"/>
+                <a:ea typeface="PingFang SC" panose="020B0400000000000000" charset="-122"/>
+                <a:cs typeface="Microsoft YaHei" panose="020B0503020204020204" charset="-122"/>
+              </a:rPr>
+              <a:t>以</a:t>
             </a:r>
             <a:r>
               <a:rPr lang="en-US" altLang="zh-CN" sz="2025">
